--- a/Google CTF for beginner 2019/Stop GAN.pptx
+++ b/Google CTF for beginner 2019/Stop GAN.pptx
@@ -12,6 +12,10 @@
     <p:sldId id="261" r:id="rId6"/>
     <p:sldId id="262" r:id="rId7"/>
     <p:sldId id="263" r:id="rId8"/>
+    <p:sldId id="264" r:id="rId9"/>
+    <p:sldId id="265" r:id="rId10"/>
+    <p:sldId id="266" r:id="rId11"/>
+    <p:sldId id="267" r:id="rId12"/>
   </p:sldIdLst>
   <p:sldSz cx="12192000" cy="6858000"/>
   <p:notesSz cx="6858000" cy="9144000"/>
@@ -110,6 +114,11 @@
       </a:defRPr>
     </a:lvl9pPr>
   </p:defaultTextStyle>
+  <p:extLst>
+    <p:ext uri="{EFAFB233-063F-42B5-8137-9DF3F51BA10A}">
+      <p15:sldGuideLst xmlns:p15="http://schemas.microsoft.com/office/powerpoint/2012/main"/>
+    </p:ext>
+  </p:extLst>
 </p:presentation>
 </file>
 
@@ -3398,6 +3407,660 @@
 </p:sld>
 </file>
 
+<file path=ppt/slides/slide10.xml><?xml version="1.0" encoding="utf-8"?>
+<p:sld xmlns:a="http://schemas.openxmlformats.org/drawingml/2006/main" xmlns:r="http://schemas.openxmlformats.org/officeDocument/2006/relationships" xmlns:p="http://schemas.openxmlformats.org/presentationml/2006/main">
+  <p:cSld>
+    <p:bg>
+      <p:bgPr>
+        <a:solidFill>
+          <a:schemeClr val="bg1"/>
+        </a:solidFill>
+        <a:effectLst/>
+      </p:bgPr>
+    </p:bg>
+    <p:spTree>
+      <p:nvGrpSpPr>
+        <p:cNvPr id="1" name=""/>
+        <p:cNvGrpSpPr/>
+        <p:nvPr/>
+      </p:nvGrpSpPr>
+      <p:grpSpPr>
+        <a:xfrm>
+          <a:off x="0" y="0"/>
+          <a:ext cx="0" cy="0"/>
+          <a:chOff x="0" y="0"/>
+          <a:chExt cx="0" cy="0"/>
+        </a:xfrm>
+      </p:grpSpPr>
+      <p:sp useBgFill="1">
+        <p:nvSpPr>
+          <p:cNvPr id="12" name="Rectangle 11">
+            <a:extLst>
+              <a:ext uri="{FF2B5EF4-FFF2-40B4-BE49-F238E27FC236}">
+                <a16:creationId xmlns:a16="http://schemas.microsoft.com/office/drawing/2014/main" id="{EC7FF834-B204-4967-8D47-8BB36EAF0EF5}"/>
+              </a:ext>
+              <a:ext uri="{C183D7F6-B498-43B3-948B-1728B52AA6E4}">
+                <adec:decorative xmlns:adec="http://schemas.microsoft.com/office/drawing/2017/decorative" val="1"/>
+              </a:ext>
+            </a:extLst>
+          </p:cNvPr>
+          <p:cNvSpPr>
+            <a:spLocks noGrp="1" noRot="1" noChangeAspect="1" noMove="1" noResize="1" noEditPoints="1" noAdjustHandles="1" noChangeArrowheads="1" noChangeShapeType="1" noTextEdit="1"/>
+          </p:cNvSpPr>
+          <p:nvPr>
+            <p:extLst>
+              <p:ext uri="{386F3935-93C4-4BCD-93E2-E3B085C9AB24}">
+                <p16:designElem xmlns:p16="http://schemas.microsoft.com/office/powerpoint/2015/main" val="1"/>
+              </p:ext>
+            </p:extLst>
+          </p:nvPr>
+        </p:nvSpPr>
+        <p:spPr>
+          <a:xfrm>
+            <a:off x="0" y="-2"/>
+            <a:ext cx="12192000" cy="6858002"/>
+          </a:xfrm>
+          <a:prstGeom prst="rect">
+            <a:avLst/>
+          </a:prstGeom>
+          <a:ln>
+            <a:noFill/>
+          </a:ln>
+        </p:spPr>
+        <p:style>
+          <a:lnRef idx="2">
+            <a:schemeClr val="accent1">
+              <a:shade val="50000"/>
+            </a:schemeClr>
+          </a:lnRef>
+          <a:fillRef idx="1">
+            <a:schemeClr val="accent1"/>
+          </a:fillRef>
+          <a:effectRef idx="0">
+            <a:schemeClr val="accent1"/>
+          </a:effectRef>
+          <a:fontRef idx="minor">
+            <a:schemeClr val="lt1"/>
+          </a:fontRef>
+        </p:style>
+        <p:txBody>
+          <a:bodyPr rtlCol="0" anchor="ctr"/>
+          <a:lstStyle/>
+          <a:p>
+            <a:pPr marL="0" marR="0" lvl="0" indent="0" algn="ctr" defTabSz="457200" rtl="0" eaLnBrk="1" fontAlgn="auto" latinLnBrk="0" hangingPunct="1">
+              <a:lnSpc>
+                <a:spcPct val="100000"/>
+              </a:lnSpc>
+              <a:spcBef>
+                <a:spcPts val="0"/>
+              </a:spcBef>
+              <a:spcAft>
+                <a:spcPts val="0"/>
+              </a:spcAft>
+              <a:buClrTx/>
+              <a:buSzTx/>
+              <a:buFontTx/>
+              <a:buNone/>
+              <a:tabLst/>
+              <a:defRPr/>
+            </a:pPr>
+            <a:endParaRPr kumimoji="0" lang="en-US" sz="1800" b="0" i="0" u="none" strike="noStrike" kern="1200" cap="none" spc="0" normalizeH="0" baseline="0" noProof="0">
+              <a:ln>
+                <a:noFill/>
+              </a:ln>
+              <a:solidFill>
+                <a:srgbClr val="FFFFFF"/>
+              </a:solidFill>
+              <a:effectLst/>
+              <a:uLnTx/>
+              <a:uFillTx/>
+              <a:latin typeface="Gill Sans MT" panose="020B0502020104020203"/>
+              <a:ea typeface="+mn-ea"/>
+              <a:cs typeface="+mn-cs"/>
+            </a:endParaRPr>
+          </a:p>
+        </p:txBody>
+      </p:sp>
+      <p:sp>
+        <p:nvSpPr>
+          <p:cNvPr id="14" name="Rectangle 13">
+            <a:extLst>
+              <a:ext uri="{FF2B5EF4-FFF2-40B4-BE49-F238E27FC236}">
+                <a16:creationId xmlns:a16="http://schemas.microsoft.com/office/drawing/2014/main" id="{F780A22D-61EA-43E3-BD94-3E39CF902160}"/>
+              </a:ext>
+              <a:ext uri="{C183D7F6-B498-43B3-948B-1728B52AA6E4}">
+                <adec:decorative xmlns:adec="http://schemas.microsoft.com/office/drawing/2017/decorative" val="1"/>
+              </a:ext>
+            </a:extLst>
+          </p:cNvPr>
+          <p:cNvSpPr>
+            <a:spLocks noGrp="1" noRot="1" noChangeAspect="1" noMove="1" noResize="1" noEditPoints="1" noAdjustHandles="1" noChangeArrowheads="1" noChangeShapeType="1" noTextEdit="1"/>
+          </p:cNvSpPr>
+          <p:nvPr>
+            <p:extLst>
+              <p:ext uri="{386F3935-93C4-4BCD-93E2-E3B085C9AB24}">
+                <p16:designElem xmlns:p16="http://schemas.microsoft.com/office/powerpoint/2015/main" val="1"/>
+              </p:ext>
+            </p:extLst>
+          </p:nvPr>
+        </p:nvSpPr>
+        <p:spPr>
+          <a:xfrm>
+            <a:off x="0" y="4918509"/>
+            <a:ext cx="12192000" cy="1939491"/>
+          </a:xfrm>
+          <a:prstGeom prst="rect">
+            <a:avLst/>
+          </a:prstGeom>
+          <a:solidFill>
+            <a:schemeClr val="tx1">
+              <a:lumMod val="75000"/>
+              <a:lumOff val="25000"/>
+            </a:schemeClr>
+          </a:solidFill>
+          <a:ln>
+            <a:noFill/>
+          </a:ln>
+        </p:spPr>
+        <p:style>
+          <a:lnRef idx="2">
+            <a:schemeClr val="accent1">
+              <a:shade val="50000"/>
+            </a:schemeClr>
+          </a:lnRef>
+          <a:fillRef idx="1">
+            <a:schemeClr val="accent1"/>
+          </a:fillRef>
+          <a:effectRef idx="0">
+            <a:schemeClr val="accent1"/>
+          </a:effectRef>
+          <a:fontRef idx="minor">
+            <a:schemeClr val="lt1"/>
+          </a:fontRef>
+        </p:style>
+        <p:txBody>
+          <a:bodyPr rtlCol="0" anchor="ctr"/>
+          <a:lstStyle/>
+          <a:p>
+            <a:pPr marL="0" marR="0" lvl="0" indent="0" algn="ctr" defTabSz="457200" rtl="0" eaLnBrk="1" fontAlgn="auto" latinLnBrk="0" hangingPunct="1">
+              <a:lnSpc>
+                <a:spcPct val="100000"/>
+              </a:lnSpc>
+              <a:spcBef>
+                <a:spcPts val="0"/>
+              </a:spcBef>
+              <a:spcAft>
+                <a:spcPts val="0"/>
+              </a:spcAft>
+              <a:buClrTx/>
+              <a:buSzTx/>
+              <a:buFontTx/>
+              <a:buNone/>
+              <a:tabLst/>
+              <a:defRPr/>
+            </a:pPr>
+            <a:endParaRPr kumimoji="0" lang="en-US" sz="1800" b="0" i="0" u="none" strike="noStrike" kern="1200" cap="none" spc="0" normalizeH="0" baseline="0" noProof="0">
+              <a:ln>
+                <a:noFill/>
+              </a:ln>
+              <a:solidFill>
+                <a:srgbClr val="FFFFFF"/>
+              </a:solidFill>
+              <a:effectLst/>
+              <a:uLnTx/>
+              <a:uFillTx/>
+              <a:latin typeface="Gill Sans MT" panose="020B0502020104020203"/>
+              <a:ea typeface="+mn-ea"/>
+              <a:cs typeface="+mn-cs"/>
+            </a:endParaRPr>
+          </a:p>
+        </p:txBody>
+      </p:sp>
+      <p:pic>
+        <p:nvPicPr>
+          <p:cNvPr id="5" name="내용 개체 틀 4">
+            <a:extLst>
+              <a:ext uri="{FF2B5EF4-FFF2-40B4-BE49-F238E27FC236}">
+                <a16:creationId xmlns:a16="http://schemas.microsoft.com/office/drawing/2014/main" id="{D3ADA108-5F04-4E0B-80B8-DC1FB5959BD7}"/>
+              </a:ext>
+            </a:extLst>
+          </p:cNvPr>
+          <p:cNvPicPr>
+            <a:picLocks noChangeAspect="1"/>
+          </p:cNvPicPr>
+          <p:nvPr/>
+        </p:nvPicPr>
+        <p:blipFill>
+          <a:blip r:embed="rId2">
+            <a:extLst>
+              <a:ext uri="{28A0092B-C50C-407E-A947-70E740481C1C}">
+                <a14:useLocalDpi xmlns:a14="http://schemas.microsoft.com/office/drawing/2010/main" val="0"/>
+              </a:ext>
+            </a:extLst>
+          </a:blip>
+          <a:stretch>
+            <a:fillRect/>
+          </a:stretch>
+        </p:blipFill>
+        <p:spPr>
+          <a:xfrm>
+            <a:off x="971267" y="1706462"/>
+            <a:ext cx="10249464" cy="1486171"/>
+          </a:xfrm>
+          <a:prstGeom prst="rect">
+            <a:avLst/>
+          </a:prstGeom>
+        </p:spPr>
+      </p:pic>
+      <p:sp>
+        <p:nvSpPr>
+          <p:cNvPr id="9" name="Content Placeholder 8">
+            <a:extLst>
+              <a:ext uri="{FF2B5EF4-FFF2-40B4-BE49-F238E27FC236}">
+                <a16:creationId xmlns:a16="http://schemas.microsoft.com/office/drawing/2014/main" id="{D3236008-866D-43C6-AF04-C818B96EF90D}"/>
+              </a:ext>
+            </a:extLst>
+          </p:cNvPr>
+          <p:cNvSpPr>
+            <a:spLocks noGrp="1"/>
+          </p:cNvSpPr>
+          <p:nvPr>
+            <p:ph idx="1"/>
+          </p:nvPr>
+        </p:nvSpPr>
+        <p:spPr>
+          <a:xfrm>
+            <a:off x="2231136" y="5542925"/>
+            <a:ext cx="7729728" cy="768975"/>
+          </a:xfrm>
+        </p:spPr>
+        <p:txBody>
+          <a:bodyPr>
+            <a:normAutofit lnSpcReduction="10000"/>
+          </a:bodyPr>
+          <a:lstStyle/>
+          <a:p>
+            <a:pPr marL="0" indent="0">
+              <a:buNone/>
+            </a:pPr>
+            <a:r>
+              <a:rPr lang="ko-KR" altLang="en-US" sz="1800" dirty="0">
+                <a:solidFill>
+                  <a:schemeClr val="bg1"/>
+                </a:solidFill>
+              </a:rPr>
+              <a:t>그래서 </a:t>
+            </a:r>
+            <a:r>
+              <a:rPr lang="en-US" altLang="ko-KR" sz="1800" dirty="0">
+                <a:solidFill>
+                  <a:schemeClr val="bg1"/>
+                </a:solidFill>
+              </a:rPr>
+              <a:t>&amp;UNK_0047549c</a:t>
+            </a:r>
+            <a:r>
+              <a:rPr lang="ko-KR" altLang="en-US" sz="1800" dirty="0">
+                <a:solidFill>
+                  <a:schemeClr val="bg1"/>
+                </a:solidFill>
+              </a:rPr>
+              <a:t>로 이동하니 </a:t>
+            </a:r>
+            <a:r>
+              <a:rPr lang="en-US" altLang="ko-KR" sz="1800" dirty="0">
+                <a:solidFill>
+                  <a:schemeClr val="bg1"/>
+                </a:solidFill>
+              </a:rPr>
+              <a:t>flag0</a:t>
+            </a:r>
+            <a:r>
+              <a:rPr lang="ko-KR" altLang="en-US" sz="1800" dirty="0">
+                <a:solidFill>
+                  <a:schemeClr val="bg1"/>
+                </a:solidFill>
+              </a:rPr>
+              <a:t>이란 문자열이 있었고</a:t>
+            </a:r>
+            <a:r>
+              <a:rPr lang="en-US" altLang="ko-KR" sz="1800" dirty="0">
+                <a:solidFill>
+                  <a:schemeClr val="bg1"/>
+                </a:solidFill>
+              </a:rPr>
+              <a:t>, </a:t>
+            </a:r>
+            <a:r>
+              <a:rPr lang="ko-KR" altLang="en-US" sz="1800" dirty="0">
+                <a:solidFill>
+                  <a:schemeClr val="bg1"/>
+                </a:solidFill>
+              </a:rPr>
+              <a:t>그 위로 조금 올려보니 </a:t>
+            </a:r>
+            <a:r>
+              <a:rPr lang="en-US" altLang="ko-KR" sz="1800" dirty="0">
+                <a:solidFill>
+                  <a:schemeClr val="bg1"/>
+                </a:solidFill>
+              </a:rPr>
+              <a:t>flag1</a:t>
+            </a:r>
+            <a:r>
+              <a:rPr lang="ko-KR" altLang="en-US" sz="1800" dirty="0">
+                <a:solidFill>
+                  <a:schemeClr val="bg1"/>
+                </a:solidFill>
+              </a:rPr>
+              <a:t>이란 문자열이 있었다</a:t>
+            </a:r>
+            <a:r>
+              <a:rPr lang="en-US" altLang="ko-KR" sz="1800" dirty="0">
+                <a:solidFill>
+                  <a:schemeClr val="bg1"/>
+                </a:solidFill>
+              </a:rPr>
+              <a:t>. </a:t>
+            </a:r>
+            <a:r>
+              <a:rPr lang="ko-KR" altLang="en-US" sz="1800" dirty="0">
+                <a:solidFill>
+                  <a:schemeClr val="bg1"/>
+                </a:solidFill>
+              </a:rPr>
+              <a:t>이 파일 이름이 </a:t>
+            </a:r>
+            <a:r>
+              <a:rPr lang="en-US" altLang="ko-KR" sz="1800" dirty="0">
+                <a:solidFill>
+                  <a:schemeClr val="bg1"/>
+                </a:solidFill>
+              </a:rPr>
+              <a:t>2</a:t>
+            </a:r>
+            <a:r>
+              <a:rPr lang="ko-KR" altLang="en-US" sz="1800" dirty="0">
+                <a:solidFill>
+                  <a:schemeClr val="bg1"/>
+                </a:solidFill>
+              </a:rPr>
+              <a:t>번째 </a:t>
+            </a:r>
+            <a:r>
+              <a:rPr lang="en-US" altLang="ko-KR" sz="1800" dirty="0">
+                <a:solidFill>
+                  <a:schemeClr val="bg1"/>
+                </a:solidFill>
+              </a:rPr>
+              <a:t>flag</a:t>
+            </a:r>
+            <a:r>
+              <a:rPr lang="ko-KR" altLang="en-US" sz="1800" dirty="0">
+                <a:solidFill>
+                  <a:schemeClr val="bg1"/>
+                </a:solidFill>
+              </a:rPr>
+              <a:t>를 저장하고 있는 파일일 수 있겠다는 생각이 들었다</a:t>
+            </a:r>
+            <a:r>
+              <a:rPr lang="en-US" altLang="ko-KR" sz="1800" dirty="0">
+                <a:solidFill>
+                  <a:schemeClr val="bg1"/>
+                </a:solidFill>
+              </a:rPr>
+              <a:t>.</a:t>
+            </a:r>
+            <a:r>
+              <a:rPr lang="ko-KR" altLang="en-US" sz="1800" dirty="0">
+                <a:solidFill>
+                  <a:schemeClr val="bg1"/>
+                </a:solidFill>
+              </a:rPr>
+              <a:t> </a:t>
+            </a:r>
+            <a:endParaRPr lang="en-US" sz="1800" dirty="0">
+              <a:solidFill>
+                <a:schemeClr val="bg1"/>
+              </a:solidFill>
+            </a:endParaRPr>
+          </a:p>
+        </p:txBody>
+      </p:sp>
+    </p:spTree>
+    <p:extLst>
+      <p:ext uri="{BB962C8B-B14F-4D97-AF65-F5344CB8AC3E}">
+        <p14:creationId xmlns:p14="http://schemas.microsoft.com/office/powerpoint/2010/main" val="4153931973"/>
+      </p:ext>
+    </p:extLst>
+  </p:cSld>
+  <p:clrMapOvr>
+    <a:masterClrMapping/>
+  </p:clrMapOvr>
+</p:sld>
+</file>
+
+<file path=ppt/slides/slide11.xml><?xml version="1.0" encoding="utf-8"?>
+<p:sld xmlns:a="http://schemas.openxmlformats.org/drawingml/2006/main" xmlns:r="http://schemas.openxmlformats.org/officeDocument/2006/relationships" xmlns:p="http://schemas.openxmlformats.org/presentationml/2006/main">
+  <p:cSld>
+    <p:bg>
+      <p:bgPr>
+        <a:solidFill>
+          <a:schemeClr val="bg1"/>
+        </a:solidFill>
+        <a:effectLst/>
+      </p:bgPr>
+    </p:bg>
+    <p:spTree>
+      <p:nvGrpSpPr>
+        <p:cNvPr id="1" name=""/>
+        <p:cNvGrpSpPr/>
+        <p:nvPr/>
+      </p:nvGrpSpPr>
+      <p:grpSpPr>
+        <a:xfrm>
+          <a:off x="0" y="0"/>
+          <a:ext cx="0" cy="0"/>
+          <a:chOff x="0" y="0"/>
+          <a:chExt cx="0" cy="0"/>
+        </a:xfrm>
+      </p:grpSpPr>
+      <p:sp>
+        <p:nvSpPr>
+          <p:cNvPr id="9" name="Content Placeholder 8">
+            <a:extLst>
+              <a:ext uri="{FF2B5EF4-FFF2-40B4-BE49-F238E27FC236}">
+                <a16:creationId xmlns:a16="http://schemas.microsoft.com/office/drawing/2014/main" id="{9CA69477-A2D9-4512-A347-FA3B711B6B49}"/>
+              </a:ext>
+            </a:extLst>
+          </p:cNvPr>
+          <p:cNvSpPr>
+            <a:spLocks noGrp="1"/>
+          </p:cNvSpPr>
+          <p:nvPr>
+            <p:ph idx="1"/>
+          </p:nvPr>
+        </p:nvSpPr>
+        <p:spPr>
+          <a:xfrm>
+            <a:off x="648931" y="2438400"/>
+            <a:ext cx="3651466" cy="3785419"/>
+          </a:xfrm>
+        </p:spPr>
+        <p:txBody>
+          <a:bodyPr>
+            <a:normAutofit/>
+          </a:bodyPr>
+          <a:lstStyle/>
+          <a:p>
+            <a:pPr marL="0" indent="0">
+              <a:buNone/>
+            </a:pPr>
+            <a:r>
+              <a:rPr lang="ko-KR" altLang="en-US" sz="1800" dirty="0"/>
+              <a:t>그래서 </a:t>
+            </a:r>
+            <a:r>
+              <a:rPr lang="en-US" altLang="ko-KR" sz="1800" dirty="0" err="1"/>
+              <a:t>Ghidra</a:t>
+            </a:r>
+            <a:r>
+              <a:rPr lang="ko-KR" altLang="en-US" sz="1800" dirty="0"/>
+              <a:t>의 검색 기능을 통해 </a:t>
+            </a:r>
+            <a:r>
+              <a:rPr lang="en-US" altLang="ko-KR" sz="1800" dirty="0"/>
+              <a:t>flag1 string</a:t>
+            </a:r>
+            <a:r>
+              <a:rPr lang="ko-KR" altLang="en-US" sz="1800" dirty="0"/>
+              <a:t>을 참조하는 함수를 보니</a:t>
+            </a:r>
+            <a:r>
+              <a:rPr lang="en-US" altLang="ko-KR" sz="1800" dirty="0"/>
+              <a:t>, </a:t>
+            </a:r>
+            <a:r>
+              <a:rPr lang="en-US" altLang="ko-KR" sz="1800" dirty="0" err="1"/>
+              <a:t>local_flag</a:t>
+            </a:r>
+            <a:r>
+              <a:rPr lang="ko-KR" altLang="en-US" sz="1800" dirty="0"/>
+              <a:t>란 함수가 보였으며</a:t>
+            </a:r>
+            <a:r>
+              <a:rPr lang="en-US" altLang="ko-KR" sz="1800" dirty="0"/>
+              <a:t>, </a:t>
+            </a:r>
+            <a:r>
+              <a:rPr lang="ko-KR" altLang="en-US" sz="1800" dirty="0"/>
+              <a:t>이 함수는 </a:t>
+            </a:r>
+            <a:r>
+              <a:rPr lang="en-US" altLang="ko-KR" sz="1800" dirty="0"/>
+              <a:t>flag1</a:t>
+            </a:r>
+            <a:r>
+              <a:rPr lang="ko-KR" altLang="en-US" sz="1800" dirty="0"/>
+              <a:t>이란 파일을 출력하는 것으로 보였다</a:t>
+            </a:r>
+            <a:r>
+              <a:rPr lang="en-US" altLang="ko-KR" sz="1800" dirty="0"/>
+              <a:t>. </a:t>
+            </a:r>
+            <a:r>
+              <a:rPr lang="ko-KR" altLang="en-US" sz="1800" dirty="0"/>
+              <a:t>즉</a:t>
+            </a:r>
+            <a:r>
+              <a:rPr lang="en-US" altLang="ko-KR" sz="1800" dirty="0"/>
+              <a:t>, </a:t>
+            </a:r>
+            <a:r>
+              <a:rPr lang="en-US" altLang="ko-KR" sz="1800" dirty="0" err="1"/>
+              <a:t>bof</a:t>
+            </a:r>
+            <a:r>
+              <a:rPr lang="ko-KR" altLang="en-US" sz="1800" dirty="0"/>
+              <a:t>를 수행하여 </a:t>
+            </a:r>
+            <a:r>
+              <a:rPr lang="en-US" altLang="ko-KR" sz="1800" dirty="0" err="1"/>
+              <a:t>local_flag</a:t>
+            </a:r>
+            <a:r>
+              <a:rPr lang="ko-KR" altLang="en-US" sz="1800" dirty="0"/>
+              <a:t>의 함수를 실행하도록 한다면 </a:t>
+            </a:r>
+            <a:r>
+              <a:rPr lang="en-US" altLang="ko-KR" sz="1800" dirty="0"/>
+              <a:t>2</a:t>
+            </a:r>
+            <a:r>
+              <a:rPr lang="ko-KR" altLang="en-US" sz="1800" dirty="0"/>
+              <a:t>번째 플래그를 얻을 수 있을 수 있다는 생각이 들었다</a:t>
+            </a:r>
+            <a:r>
+              <a:rPr lang="en-US" altLang="ko-KR" sz="1800" dirty="0"/>
+              <a:t>.(</a:t>
+            </a:r>
+            <a:r>
+              <a:rPr lang="ko-KR" altLang="en-US" sz="1800" dirty="0"/>
+              <a:t>공격코드 작성 후 </a:t>
+            </a:r>
+            <a:r>
+              <a:rPr lang="en-US" altLang="ko-KR" sz="1800" dirty="0"/>
+              <a:t>Flag </a:t>
+            </a:r>
+            <a:r>
+              <a:rPr lang="ko-KR" altLang="en-US" sz="1800" dirty="0"/>
+              <a:t>얻는 것은 곧 시간 날 때 더 </a:t>
+            </a:r>
+            <a:r>
+              <a:rPr lang="ko-KR" altLang="en-US" sz="1800"/>
+              <a:t>찾아보고 해보겠음</a:t>
+            </a:r>
+            <a:r>
+              <a:rPr lang="en-US" altLang="ko-KR" sz="1800"/>
+              <a:t>)</a:t>
+            </a:r>
+            <a:r>
+              <a:rPr lang="ko-KR" altLang="en-US" sz="1800" dirty="0"/>
+              <a:t> </a:t>
+            </a:r>
+            <a:endParaRPr lang="en-US" sz="1800" dirty="0"/>
+          </a:p>
+        </p:txBody>
+      </p:sp>
+      <p:pic>
+        <p:nvPicPr>
+          <p:cNvPr id="5" name="내용 개체 틀 4" descr="스크린샷이(가) 표시된 사진&#10;&#10;자동 생성된 설명">
+            <a:extLst>
+              <a:ext uri="{FF2B5EF4-FFF2-40B4-BE49-F238E27FC236}">
+                <a16:creationId xmlns:a16="http://schemas.microsoft.com/office/drawing/2014/main" id="{8AF1F1F0-8861-4C1F-AB60-FE47C4B15DEA}"/>
+              </a:ext>
+            </a:extLst>
+          </p:cNvPr>
+          <p:cNvPicPr>
+            <a:picLocks noChangeAspect="1"/>
+          </p:cNvPicPr>
+          <p:nvPr/>
+        </p:nvPicPr>
+        <p:blipFill rotWithShape="1">
+          <a:blip r:embed="rId2">
+            <a:extLst>
+              <a:ext uri="{28A0092B-C50C-407E-A947-70E740481C1C}">
+                <a14:useLocalDpi xmlns:a14="http://schemas.microsoft.com/office/drawing/2010/main" val="0"/>
+              </a:ext>
+            </a:extLst>
+          </a:blip>
+          <a:srcRect r="-2" b="31900"/>
+          <a:stretch/>
+        </p:blipFill>
+        <p:spPr>
+          <a:xfrm>
+            <a:off x="4639056" y="10"/>
+            <a:ext cx="7552944" cy="6857990"/>
+          </a:xfrm>
+          <a:prstGeom prst="rect">
+            <a:avLst/>
+          </a:prstGeom>
+          <a:effectLst/>
+        </p:spPr>
+      </p:pic>
+    </p:spTree>
+    <p:extLst>
+      <p:ext uri="{BB962C8B-B14F-4D97-AF65-F5344CB8AC3E}">
+        <p14:creationId xmlns:p14="http://schemas.microsoft.com/office/powerpoint/2010/main" val="2230115304"/>
+      </p:ext>
+    </p:extLst>
+  </p:cSld>
+  <p:clrMapOvr>
+    <a:masterClrMapping/>
+  </p:clrMapOvr>
+</p:sld>
+</file>
+
 <file path=ppt/slides/slide2.xml><?xml version="1.0" encoding="utf-8"?>
 <p:sld xmlns:a="http://schemas.openxmlformats.org/drawingml/2006/main" xmlns:r="http://schemas.openxmlformats.org/officeDocument/2006/relationships" xmlns:p="http://schemas.openxmlformats.org/presentationml/2006/main">
   <p:cSld>
@@ -5739,35 +6402,7 @@
             </a:r>
             <a:r>
               <a:rPr lang="en-US" altLang="ko-KR" sz="1800" dirty="0"/>
-              <a:t>. (</a:t>
-            </a:r>
-            <a:r>
-              <a:rPr lang="en-US" altLang="ko-KR" sz="1800" dirty="0" err="1"/>
-              <a:t>bof</a:t>
-            </a:r>
-            <a:r>
-              <a:rPr lang="ko-KR" altLang="en-US" sz="1800" dirty="0"/>
-              <a:t>파일을 열면 </a:t>
-            </a:r>
-            <a:r>
-              <a:rPr lang="en-US" altLang="ko-KR" sz="1800" dirty="0" err="1"/>
-              <a:t>mips</a:t>
-            </a:r>
-            <a:r>
-              <a:rPr lang="ko-KR" altLang="en-US" sz="1800" dirty="0"/>
-              <a:t>어셈블러로 되어 있어 지금은 </a:t>
-            </a:r>
-            <a:r>
-              <a:rPr lang="en-US" altLang="ko-KR" sz="1800" dirty="0"/>
-              <a:t>2</a:t>
-            </a:r>
-            <a:r>
-              <a:rPr lang="ko-KR" altLang="en-US" sz="1800" dirty="0"/>
-              <a:t>번째 플래그를 찾지 못함</a:t>
-            </a:r>
-            <a:r>
-              <a:rPr lang="en-US" altLang="ko-KR" sz="1800"/>
-              <a:t>)</a:t>
+              <a:t>. </a:t>
             </a:r>
             <a:endParaRPr lang="en-US" sz="1800" dirty="0"/>
           </a:p>
@@ -5777,6 +6412,384 @@
     <p:extLst>
       <p:ext uri="{BB962C8B-B14F-4D97-AF65-F5344CB8AC3E}">
         <p14:creationId xmlns:p14="http://schemas.microsoft.com/office/powerpoint/2010/main" val="1061316604"/>
+      </p:ext>
+    </p:extLst>
+  </p:cSld>
+  <p:clrMapOvr>
+    <a:masterClrMapping/>
+  </p:clrMapOvr>
+</p:sld>
+</file>
+
+<file path=ppt/slides/slide8.xml><?xml version="1.0" encoding="utf-8"?>
+<p:sld xmlns:a="http://schemas.openxmlformats.org/drawingml/2006/main" xmlns:r="http://schemas.openxmlformats.org/officeDocument/2006/relationships" xmlns:p="http://schemas.openxmlformats.org/presentationml/2006/main">
+  <p:cSld>
+    <p:bg>
+      <p:bgPr>
+        <a:solidFill>
+          <a:schemeClr val="bg1"/>
+        </a:solidFill>
+        <a:effectLst/>
+      </p:bgPr>
+    </p:bg>
+    <p:spTree>
+      <p:nvGrpSpPr>
+        <p:cNvPr id="1" name=""/>
+        <p:cNvGrpSpPr/>
+        <p:nvPr/>
+      </p:nvGrpSpPr>
+      <p:grpSpPr>
+        <a:xfrm>
+          <a:off x="0" y="0"/>
+          <a:ext cx="0" cy="0"/>
+          <a:chOff x="0" y="0"/>
+          <a:chExt cx="0" cy="0"/>
+        </a:xfrm>
+      </p:grpSpPr>
+      <p:pic>
+        <p:nvPicPr>
+          <p:cNvPr id="5" name="내용 개체 틀 4" descr="스크린샷이(가) 표시된 사진&#10;&#10;자동 생성된 설명">
+            <a:extLst>
+              <a:ext uri="{FF2B5EF4-FFF2-40B4-BE49-F238E27FC236}">
+                <a16:creationId xmlns:a16="http://schemas.microsoft.com/office/drawing/2014/main" id="{2B1E4631-E67F-48E5-A616-00CBCC3977F3}"/>
+              </a:ext>
+            </a:extLst>
+          </p:cNvPr>
+          <p:cNvPicPr>
+            <a:picLocks noGrp="1" noChangeAspect="1"/>
+          </p:cNvPicPr>
+          <p:nvPr>
+            <p:ph idx="1"/>
+          </p:nvPr>
+        </p:nvPicPr>
+        <p:blipFill>
+          <a:blip r:embed="rId2">
+            <a:extLst>
+              <a:ext uri="{28A0092B-C50C-407E-A947-70E740481C1C}">
+                <a14:useLocalDpi xmlns:a14="http://schemas.microsoft.com/office/drawing/2010/main" val="0"/>
+              </a:ext>
+            </a:extLst>
+          </a:blip>
+          <a:stretch>
+            <a:fillRect/>
+          </a:stretch>
+        </p:blipFill>
+        <p:spPr>
+          <a:xfrm>
+            <a:off x="791976" y="204927"/>
+            <a:ext cx="5450203" cy="5571067"/>
+          </a:xfrm>
+          <a:prstGeom prst="rect">
+            <a:avLst/>
+          </a:prstGeom>
+        </p:spPr>
+      </p:pic>
+      <p:sp>
+        <p:nvSpPr>
+          <p:cNvPr id="7" name="TextBox 6">
+            <a:extLst>
+              <a:ext uri="{FF2B5EF4-FFF2-40B4-BE49-F238E27FC236}">
+                <a16:creationId xmlns:a16="http://schemas.microsoft.com/office/drawing/2014/main" id="{9B7A2114-42DC-498E-8086-5567E51A1A84}"/>
+              </a:ext>
+            </a:extLst>
+          </p:cNvPr>
+          <p:cNvSpPr txBox="1"/>
+          <p:nvPr/>
+        </p:nvSpPr>
+        <p:spPr>
+          <a:xfrm>
+            <a:off x="6466114" y="242596"/>
+            <a:ext cx="5355772" cy="2862322"/>
+          </a:xfrm>
+          <a:prstGeom prst="rect">
+            <a:avLst/>
+          </a:prstGeom>
+          <a:noFill/>
+        </p:spPr>
+        <p:txBody>
+          <a:bodyPr wrap="square" rtlCol="0">
+            <a:spAutoFit/>
+          </a:bodyPr>
+          <a:lstStyle/>
+          <a:p>
+            <a:pPr lvl="1"/>
+            <a:r>
+              <a:rPr lang="ko-KR" altLang="en-US" sz="2000" dirty="0"/>
+              <a:t>하지만 </a:t>
+            </a:r>
+            <a:r>
+              <a:rPr lang="en-US" altLang="ko-KR" sz="2000" dirty="0" err="1"/>
+              <a:t>bof</a:t>
+            </a:r>
+            <a:r>
+              <a:rPr lang="ko-KR" altLang="en-US" sz="2000" dirty="0"/>
+              <a:t>파일을 분석 </a:t>
+            </a:r>
+            <a:r>
+              <a:rPr lang="ko-KR" altLang="en-US" sz="2000" dirty="0" err="1"/>
+              <a:t>할려고</a:t>
+            </a:r>
+            <a:r>
+              <a:rPr lang="ko-KR" altLang="en-US" sz="2000" dirty="0"/>
+              <a:t> 하니 </a:t>
+            </a:r>
+            <a:r>
+              <a:rPr lang="en-US" altLang="ko-KR" sz="2000" dirty="0"/>
+              <a:t>MIPS </a:t>
+            </a:r>
+            <a:r>
+              <a:rPr lang="ko-KR" altLang="en-US" sz="2000" dirty="0"/>
+              <a:t>어셈블러로 되 있어서 정확한 분석을 하기가 어려웠다</a:t>
+            </a:r>
+            <a:r>
+              <a:rPr lang="en-US" altLang="ko-KR" sz="2000" dirty="0"/>
+              <a:t>. </a:t>
+            </a:r>
+            <a:r>
+              <a:rPr lang="ko-KR" altLang="en-US" sz="2000" dirty="0"/>
+              <a:t>그래서 </a:t>
+            </a:r>
+            <a:r>
+              <a:rPr lang="ko-KR" altLang="en-US" sz="2000" dirty="0" err="1"/>
+              <a:t>구글링</a:t>
+            </a:r>
+            <a:r>
+              <a:rPr lang="ko-KR" altLang="en-US" sz="2000" dirty="0"/>
+              <a:t> 도중 </a:t>
+            </a:r>
+            <a:r>
+              <a:rPr lang="en-US" altLang="ko-KR" sz="2000" dirty="0" err="1"/>
+              <a:t>Ghidra</a:t>
+            </a:r>
+            <a:r>
+              <a:rPr lang="ko-KR" altLang="en-US" sz="2000" dirty="0"/>
+              <a:t>라는 툴을 쓰면 쉽게 분석이 가능하다고 해서 이 툴을 이용해보았다</a:t>
+            </a:r>
+            <a:r>
+              <a:rPr lang="en-US" altLang="ko-KR" sz="2000" dirty="0"/>
+              <a:t>. </a:t>
+            </a:r>
+            <a:r>
+              <a:rPr lang="ko-KR" altLang="en-US" sz="2000" dirty="0"/>
+              <a:t>툴을 이용해 </a:t>
+            </a:r>
+            <a:r>
+              <a:rPr lang="en-US" altLang="ko-KR" sz="2000" dirty="0"/>
+              <a:t>main</a:t>
+            </a:r>
+            <a:r>
+              <a:rPr lang="ko-KR" altLang="en-US" sz="2000" dirty="0"/>
+              <a:t>함수를 보니</a:t>
+            </a:r>
+            <a:r>
+              <a:rPr lang="en-US" altLang="ko-KR" sz="2000" dirty="0"/>
+              <a:t>, main</a:t>
+            </a:r>
+            <a:r>
+              <a:rPr lang="ko-KR" altLang="en-US" sz="2000" dirty="0"/>
+              <a:t>의 동작은 </a:t>
+            </a:r>
+            <a:r>
+              <a:rPr lang="en-US" altLang="ko-KR" sz="2000" dirty="0"/>
+              <a:t>SIGSEGV</a:t>
+            </a:r>
+            <a:r>
+              <a:rPr lang="ko-KR" altLang="en-US" sz="2000" dirty="0"/>
+              <a:t>의 </a:t>
+            </a:r>
+            <a:r>
+              <a:rPr lang="en-US" altLang="ko-KR" sz="2000" dirty="0"/>
+              <a:t>signal handler</a:t>
+            </a:r>
+            <a:r>
+              <a:rPr lang="ko-KR" altLang="en-US" sz="2000" dirty="0"/>
+              <a:t>인 </a:t>
+            </a:r>
+            <a:r>
+              <a:rPr lang="en-US" altLang="ko-KR" sz="2000" dirty="0" err="1"/>
+              <a:t>write_out</a:t>
+            </a:r>
+            <a:r>
+              <a:rPr lang="en-US" altLang="ko-KR" sz="2000" dirty="0"/>
+              <a:t> </a:t>
+            </a:r>
+            <a:r>
+              <a:rPr lang="ko-KR" altLang="en-US" sz="2000" dirty="0"/>
+              <a:t>함수를 등록하는 것 이외에는 특별한 동작이 없었다</a:t>
+            </a:r>
+            <a:r>
+              <a:rPr lang="en-US" altLang="ko-KR" sz="2000" dirty="0"/>
+              <a:t>.</a:t>
+            </a:r>
+            <a:endParaRPr lang="ko-KR" altLang="en-US" sz="2000" dirty="0"/>
+          </a:p>
+        </p:txBody>
+      </p:sp>
+    </p:spTree>
+    <p:extLst>
+      <p:ext uri="{BB962C8B-B14F-4D97-AF65-F5344CB8AC3E}">
+        <p14:creationId xmlns:p14="http://schemas.microsoft.com/office/powerpoint/2010/main" val="403656668"/>
+      </p:ext>
+    </p:extLst>
+  </p:cSld>
+  <p:clrMapOvr>
+    <a:masterClrMapping/>
+  </p:clrMapOvr>
+</p:sld>
+</file>
+
+<file path=ppt/slides/slide9.xml><?xml version="1.0" encoding="utf-8"?>
+<p:sld xmlns:a="http://schemas.openxmlformats.org/drawingml/2006/main" xmlns:r="http://schemas.openxmlformats.org/officeDocument/2006/relationships" xmlns:p="http://schemas.openxmlformats.org/presentationml/2006/main">
+  <p:cSld>
+    <p:bg>
+      <p:bgPr>
+        <a:solidFill>
+          <a:schemeClr val="bg1"/>
+        </a:solidFill>
+        <a:effectLst/>
+      </p:bgPr>
+    </p:bg>
+    <p:spTree>
+      <p:nvGrpSpPr>
+        <p:cNvPr id="1" name=""/>
+        <p:cNvGrpSpPr/>
+        <p:nvPr/>
+      </p:nvGrpSpPr>
+      <p:grpSpPr>
+        <a:xfrm>
+          <a:off x="0" y="0"/>
+          <a:ext cx="0" cy="0"/>
+          <a:chOff x="0" y="0"/>
+          <a:chExt cx="0" cy="0"/>
+        </a:xfrm>
+      </p:grpSpPr>
+      <p:sp>
+        <p:nvSpPr>
+          <p:cNvPr id="9" name="Content Placeholder 8">
+            <a:extLst>
+              <a:ext uri="{FF2B5EF4-FFF2-40B4-BE49-F238E27FC236}">
+                <a16:creationId xmlns:a16="http://schemas.microsoft.com/office/drawing/2014/main" id="{DF93342A-F8E5-461F-9A47-D5F4FD5CA9A9}"/>
+              </a:ext>
+            </a:extLst>
+          </p:cNvPr>
+          <p:cNvSpPr>
+            <a:spLocks noGrp="1"/>
+          </p:cNvSpPr>
+          <p:nvPr>
+            <p:ph idx="1"/>
+          </p:nvPr>
+        </p:nvSpPr>
+        <p:spPr>
+          <a:xfrm>
+            <a:off x="648931" y="2438400"/>
+            <a:ext cx="3651466" cy="3785419"/>
+          </a:xfrm>
+        </p:spPr>
+        <p:txBody>
+          <a:bodyPr>
+            <a:normAutofit/>
+          </a:bodyPr>
+          <a:lstStyle/>
+          <a:p>
+            <a:pPr marL="0" indent="0">
+              <a:buNone/>
+            </a:pPr>
+            <a:r>
+              <a:rPr lang="en-US" sz="1800" dirty="0" err="1"/>
+              <a:t>write_out</a:t>
+            </a:r>
+            <a:r>
+              <a:rPr lang="en-US" sz="1800" dirty="0"/>
+              <a:t> </a:t>
+            </a:r>
+            <a:r>
+              <a:rPr lang="ko-KR" altLang="en-US" sz="1800" dirty="0"/>
+              <a:t>함수를 보니 특정 파일을 출력하고 있었다</a:t>
+            </a:r>
+            <a:r>
+              <a:rPr lang="en-US" altLang="ko-KR" sz="1800" dirty="0"/>
+              <a:t>. </a:t>
+            </a:r>
+            <a:r>
+              <a:rPr lang="ko-KR" altLang="en-US" sz="1800" dirty="0" err="1"/>
+              <a:t>아까의</a:t>
+            </a:r>
+            <a:r>
+              <a:rPr lang="ko-KR" altLang="en-US" sz="1800" dirty="0"/>
+              <a:t> 동작을 생각해보면</a:t>
+            </a:r>
+            <a:r>
+              <a:rPr lang="en-US" altLang="ko-KR" sz="1800" dirty="0"/>
+              <a:t>, </a:t>
+            </a:r>
+            <a:r>
+              <a:rPr lang="ko-KR" altLang="en-US" sz="1800" dirty="0"/>
+              <a:t>저 </a:t>
+            </a:r>
+            <a:r>
+              <a:rPr lang="en-US" altLang="ko-KR" sz="1800" dirty="0"/>
+              <a:t>&amp;UNK_0047549c </a:t>
+            </a:r>
+            <a:r>
+              <a:rPr lang="ko-KR" altLang="en-US" sz="1800" dirty="0"/>
+              <a:t>위치의 문자열이 </a:t>
+            </a:r>
+            <a:r>
+              <a:rPr lang="en-US" altLang="ko-KR" sz="1800" dirty="0"/>
+              <a:t>flag</a:t>
+            </a:r>
+            <a:r>
+              <a:rPr lang="ko-KR" altLang="en-US" sz="1800" dirty="0"/>
+              <a:t>를 저장하고 있는 파일의 이름을 저장하고 있을 가능성이 있었다</a:t>
+            </a:r>
+            <a:r>
+              <a:rPr lang="en-US" altLang="ko-KR" sz="1800" dirty="0"/>
+              <a:t>.</a:t>
+            </a:r>
+            <a:endParaRPr lang="en-US" sz="1800" dirty="0"/>
+          </a:p>
+        </p:txBody>
+      </p:sp>
+      <p:pic>
+        <p:nvPicPr>
+          <p:cNvPr id="5" name="내용 개체 틀 4" descr="스크린샷이(가) 표시된 사진&#10;&#10;자동 생성된 설명">
+            <a:extLst>
+              <a:ext uri="{FF2B5EF4-FFF2-40B4-BE49-F238E27FC236}">
+                <a16:creationId xmlns:a16="http://schemas.microsoft.com/office/drawing/2014/main" id="{1C8BC214-BF37-47F0-8F88-ED2075A7AAB9}"/>
+              </a:ext>
+            </a:extLst>
+          </p:cNvPr>
+          <p:cNvPicPr>
+            <a:picLocks noChangeAspect="1"/>
+          </p:cNvPicPr>
+          <p:nvPr/>
+        </p:nvPicPr>
+        <p:blipFill rotWithShape="1">
+          <a:blip r:embed="rId2">
+            <a:extLst>
+              <a:ext uri="{28A0092B-C50C-407E-A947-70E740481C1C}">
+                <a14:useLocalDpi xmlns:a14="http://schemas.microsoft.com/office/drawing/2010/main" val="0"/>
+              </a:ext>
+            </a:extLst>
+          </a:blip>
+          <a:srcRect r="1" b="31448"/>
+          <a:stretch/>
+        </p:blipFill>
+        <p:spPr>
+          <a:xfrm>
+            <a:off x="4639056" y="10"/>
+            <a:ext cx="7552944" cy="6857990"/>
+          </a:xfrm>
+          <a:prstGeom prst="rect">
+            <a:avLst/>
+          </a:prstGeom>
+          <a:effectLst/>
+        </p:spPr>
+      </p:pic>
+    </p:spTree>
+    <p:extLst>
+      <p:ext uri="{BB962C8B-B14F-4D97-AF65-F5344CB8AC3E}">
+        <p14:creationId xmlns:p14="http://schemas.microsoft.com/office/powerpoint/2010/main" val="3952903941"/>
       </p:ext>
     </p:extLst>
   </p:cSld>
